--- a/jessica_xml_error_figure.pptx
+++ b/jessica_xml_error_figure.pptx
@@ -2652,8 +2652,8 @@
         </p:nvSpPr>
         <p:spPr>
           <a:xfrm>
-            <a:off x="695960" y="3867150"/>
-            <a:ext cx="3199765" cy="922020"/>
+            <a:off x="1026795" y="3867150"/>
+            <a:ext cx="2868930" cy="922020"/>
           </a:xfrm>
           <a:prstGeom prst="rect">
             <a:avLst/>
@@ -2877,8 +2877,8 @@
         </p:nvSpPr>
         <p:spPr>
           <a:xfrm>
-            <a:off x="695960" y="2178050"/>
-            <a:ext cx="3199765" cy="1476375"/>
+            <a:off x="1026160" y="1943735"/>
+            <a:ext cx="2869565" cy="1476375"/>
           </a:xfrm>
           <a:prstGeom prst="rect">
             <a:avLst/>
@@ -3169,7 +3169,7 @@
         <p:spPr>
           <a:xfrm>
             <a:off x="8318500" y="1943735"/>
-            <a:ext cx="3199765" cy="2306955"/>
+            <a:ext cx="2933700" cy="2584450"/>
           </a:xfrm>
           <a:prstGeom prst="rect">
             <a:avLst/>
@@ -3196,7 +3196,7 @@
                 </a:effectLst>
                 <a:sym typeface="+mn-ea"/>
               </a:rPr>
-              <a:t>Errror 3: &lt;tel&gt; and &lt;email&gt; are not nested propoerly. The &lt;email&gt; should not be in &lt;tel&gt; since &lt;tel&gt; has its own body. The correct nesting is</a:t>
+              <a:t>Errror 4: &lt;tel&gt; and &lt;email&gt; are not nested propoerly. The &lt;email&gt; should not be in &lt;tel&gt; since &lt;tel&gt; has its own body. The correct nesting is</a:t>
             </a:r>
             <a:endParaRPr lang="en-US" altLang="en-GB" dirty="0">
               <a:solidFill>
@@ -3333,6 +3333,187 @@
           <a:xfrm flipH="1">
             <a:off x="7988300" y="3300730"/>
             <a:ext cx="330200" cy="25400"/>
+          </a:xfrm>
+          <a:prstGeom prst="straightConnector1">
+            <a:avLst/>
+          </a:prstGeom>
+          <a:ln>
+            <a:tailEnd type="arrow" w="med" len="med"/>
+          </a:ln>
+        </p:spPr>
+        <p:style>
+          <a:lnRef idx="1">
+            <a:schemeClr val="dk1"/>
+          </a:lnRef>
+          <a:fillRef idx="0">
+            <a:schemeClr val="dk1"/>
+          </a:fillRef>
+          <a:effectRef idx="0">
+            <a:schemeClr val="dk1"/>
+          </a:effectRef>
+          <a:fontRef idx="minor">
+            <a:schemeClr val="tx1"/>
+          </a:fontRef>
+        </p:style>
+      </p:cxnSp>
+      <p:cxnSp>
+        <p:nvCxnSpPr>
+          <p:cNvPr id="12" name="直接连接符 11"/>
+          <p:cNvCxnSpPr/>
+          <p:nvPr/>
+        </p:nvCxnSpPr>
+        <p:spPr>
+          <a:xfrm flipH="1" flipV="1">
+            <a:off x="3454400" y="3415030"/>
+            <a:ext cx="482600" cy="215900"/>
+          </a:xfrm>
+          <a:prstGeom prst="line">
+            <a:avLst/>
+          </a:prstGeom>
+        </p:spPr>
+        <p:style>
+          <a:lnRef idx="1">
+            <a:schemeClr val="dk1"/>
+          </a:lnRef>
+          <a:fillRef idx="0">
+            <a:schemeClr val="dk1"/>
+          </a:fillRef>
+          <a:effectRef idx="0">
+            <a:schemeClr val="dk1"/>
+          </a:effectRef>
+          <a:fontRef idx="minor">
+            <a:schemeClr val="tx1"/>
+          </a:fontRef>
+        </p:style>
+      </p:cxnSp>
+      <p:sp>
+        <p:nvSpPr>
+          <p:cNvPr id="13" name="文本框 12"/>
+          <p:cNvSpPr txBox="1"/>
+          <p:nvPr/>
+        </p:nvSpPr>
+        <p:spPr>
+          <a:xfrm>
+            <a:off x="4980940" y="744855"/>
+            <a:ext cx="2933700" cy="1198880"/>
+          </a:xfrm>
+          <a:prstGeom prst="rect">
+            <a:avLst/>
+          </a:prstGeom>
+          <a:noFill/>
+        </p:spPr>
+        <p:txBody>
+          <a:bodyPr wrap="square" rtlCol="0">
+            <a:spAutoFit/>
+          </a:bodyPr>
+          <a:p>
+            <a:pPr algn="just"/>
+            <a:r>
+              <a:rPr lang="en-US" altLang="en-GB" dirty="0">
+                <a:solidFill>
+                  <a:schemeClr val="tx1"/>
+                </a:solidFill>
+                <a:effectLst>
+                  <a:outerShdw blurRad="38100" dist="19050" dir="2700000" algn="tl" rotWithShape="0">
+                    <a:schemeClr val="dk1">
+                      <a:alpha val="40000"/>
+                    </a:schemeClr>
+                  </a:outerShdw>
+                </a:effectLst>
+                <a:sym typeface="+mn-ea"/>
+              </a:rPr>
+              <a:t>Errror 3: The value of &lt;tel&gt; </a:t>
+            </a:r>
+            <a:r>
+              <a:rPr lang="en-US" dirty="0">
+                <a:solidFill>
+                  <a:srgbClr val="FF0000"/>
+                </a:solidFill>
+                <a:effectLst>
+                  <a:outerShdw blurRad="38100" dist="19050" dir="2700000" algn="tl" rotWithShape="0">
+                    <a:schemeClr val="dk1">
+                      <a:alpha val="40000"/>
+                    </a:schemeClr>
+                  </a:outerShdw>
+                </a:effectLst>
+                <a:sym typeface="+mn-ea"/>
+              </a:rPr>
+              <a:t>01318234479 </a:t>
+            </a:r>
+            <a:r>
+              <a:rPr lang="en-US" altLang="en-GB" dirty="0">
+                <a:solidFill>
+                  <a:schemeClr val="tx1"/>
+                </a:solidFill>
+                <a:effectLst>
+                  <a:outerShdw blurRad="38100" dist="19050" dir="2700000" algn="tl" rotWithShape="0">
+                    <a:schemeClr val="dk1">
+                      <a:alpha val="40000"/>
+                    </a:schemeClr>
+                  </a:outerShdw>
+                </a:effectLst>
+                <a:sym typeface="+mn-ea"/>
+              </a:rPr>
+              <a:t>is not quotated. It should be </a:t>
+            </a:r>
+            <a:r>
+              <a:rPr lang="en-US" dirty="0">
+                <a:solidFill>
+                  <a:srgbClr val="FF0000"/>
+                </a:solidFill>
+                <a:effectLst>
+                  <a:outerShdw blurRad="38100" dist="19050" dir="2700000" algn="tl" rotWithShape="0">
+                    <a:schemeClr val="dk1">
+                      <a:alpha val="40000"/>
+                    </a:schemeClr>
+                  </a:outerShdw>
+                </a:effectLst>
+                <a:sym typeface="+mn-ea"/>
+              </a:rPr>
+              <a:t>”01318234479”</a:t>
+            </a:r>
+            <a:r>
+              <a:rPr lang="en-US" dirty="0">
+                <a:solidFill>
+                  <a:schemeClr val="tx1"/>
+                </a:solidFill>
+                <a:effectLst>
+                  <a:outerShdw blurRad="38100" dist="19050" dir="2700000" algn="tl" rotWithShape="0">
+                    <a:schemeClr val="dk1">
+                      <a:alpha val="40000"/>
+                    </a:schemeClr>
+                  </a:outerShdw>
+                </a:effectLst>
+                <a:sym typeface="+mn-ea"/>
+              </a:rPr>
+              <a:t>.</a:t>
+            </a:r>
+            <a:endParaRPr lang="en-US" altLang="zh-CN" dirty="0">
+              <a:solidFill>
+                <a:schemeClr val="tx1"/>
+              </a:solidFill>
+              <a:effectLst>
+                <a:outerShdw blurRad="38100" dist="19050" dir="2700000" algn="tl" rotWithShape="0">
+                  <a:schemeClr val="dk1">
+                    <a:alpha val="40000"/>
+                  </a:schemeClr>
+                </a:outerShdw>
+              </a:effectLst>
+              <a:sym typeface="+mn-ea"/>
+            </a:endParaRPr>
+          </a:p>
+        </p:txBody>
+      </p:sp>
+      <p:cxnSp>
+        <p:nvCxnSpPr>
+          <p:cNvPr id="14" name="直接箭头连接符 13"/>
+          <p:cNvCxnSpPr/>
+          <p:nvPr/>
+        </p:nvCxnSpPr>
+        <p:spPr>
+          <a:xfrm>
+            <a:off x="5676900" y="1918335"/>
+            <a:ext cx="20320" cy="1205230"/>
           </a:xfrm>
           <a:prstGeom prst="straightConnector1">
             <a:avLst/>
